--- a/Week2/PPT_otherInformation/Rpart1c.pptx
+++ b/Week2/PPT_otherInformation/Rpart1c.pptx
@@ -7,7 +7,11 @@
   <p:sldIdLst>
     <p:sldId id="265" r:id="rId2"/>
     <p:sldId id="267" r:id="rId3"/>
-    <p:sldId id="266" r:id="rId4"/>
+    <p:sldId id="269" r:id="rId4"/>
+    <p:sldId id="271" r:id="rId5"/>
+    <p:sldId id="266" r:id="rId6"/>
+    <p:sldId id="270" r:id="rId7"/>
+    <p:sldId id="268" r:id="rId8"/>
   </p:sldIdLst>
   <p:sldSz cx="12192000" cy="6858000"/>
   <p:notesSz cx="6858000" cy="9144000"/>
@@ -263,7 +267,7 @@
           <a:p>
             <a:fld id="{ACD36024-1BF0-4D42-9D90-7A9AF3250D82}" type="datetimeFigureOut">
               <a:rPr lang="en-CA" smtClean="0"/>
-              <a:t>2021-08-22</a:t>
+              <a:t>2021-08-28</a:t>
             </a:fld>
             <a:endParaRPr lang="en-CA"/>
           </a:p>
@@ -463,7 +467,7 @@
           <a:p>
             <a:fld id="{ACD36024-1BF0-4D42-9D90-7A9AF3250D82}" type="datetimeFigureOut">
               <a:rPr lang="en-CA" smtClean="0"/>
-              <a:t>2021-08-22</a:t>
+              <a:t>2021-08-28</a:t>
             </a:fld>
             <a:endParaRPr lang="en-CA"/>
           </a:p>
@@ -673,7 +677,7 @@
           <a:p>
             <a:fld id="{ACD36024-1BF0-4D42-9D90-7A9AF3250D82}" type="datetimeFigureOut">
               <a:rPr lang="en-CA" smtClean="0"/>
-              <a:t>2021-08-22</a:t>
+              <a:t>2021-08-28</a:t>
             </a:fld>
             <a:endParaRPr lang="en-CA"/>
           </a:p>
@@ -873,7 +877,7 @@
           <a:p>
             <a:fld id="{ACD36024-1BF0-4D42-9D90-7A9AF3250D82}" type="datetimeFigureOut">
               <a:rPr lang="en-CA" smtClean="0"/>
-              <a:t>2021-08-22</a:t>
+              <a:t>2021-08-28</a:t>
             </a:fld>
             <a:endParaRPr lang="en-CA"/>
           </a:p>
@@ -1149,7 +1153,7 @@
           <a:p>
             <a:fld id="{ACD36024-1BF0-4D42-9D90-7A9AF3250D82}" type="datetimeFigureOut">
               <a:rPr lang="en-CA" smtClean="0"/>
-              <a:t>2021-08-22</a:t>
+              <a:t>2021-08-28</a:t>
             </a:fld>
             <a:endParaRPr lang="en-CA"/>
           </a:p>
@@ -1417,7 +1421,7 @@
           <a:p>
             <a:fld id="{ACD36024-1BF0-4D42-9D90-7A9AF3250D82}" type="datetimeFigureOut">
               <a:rPr lang="en-CA" smtClean="0"/>
-              <a:t>2021-08-22</a:t>
+              <a:t>2021-08-28</a:t>
             </a:fld>
             <a:endParaRPr lang="en-CA"/>
           </a:p>
@@ -1832,7 +1836,7 @@
           <a:p>
             <a:fld id="{ACD36024-1BF0-4D42-9D90-7A9AF3250D82}" type="datetimeFigureOut">
               <a:rPr lang="en-CA" smtClean="0"/>
-              <a:t>2021-08-22</a:t>
+              <a:t>2021-08-28</a:t>
             </a:fld>
             <a:endParaRPr lang="en-CA"/>
           </a:p>
@@ -1974,7 +1978,7 @@
           <a:p>
             <a:fld id="{ACD36024-1BF0-4D42-9D90-7A9AF3250D82}" type="datetimeFigureOut">
               <a:rPr lang="en-CA" smtClean="0"/>
-              <a:t>2021-08-22</a:t>
+              <a:t>2021-08-28</a:t>
             </a:fld>
             <a:endParaRPr lang="en-CA"/>
           </a:p>
@@ -2087,7 +2091,7 @@
           <a:p>
             <a:fld id="{ACD36024-1BF0-4D42-9D90-7A9AF3250D82}" type="datetimeFigureOut">
               <a:rPr lang="en-CA" smtClean="0"/>
-              <a:t>2021-08-22</a:t>
+              <a:t>2021-08-28</a:t>
             </a:fld>
             <a:endParaRPr lang="en-CA"/>
           </a:p>
@@ -2400,7 +2404,7 @@
           <a:p>
             <a:fld id="{ACD36024-1BF0-4D42-9D90-7A9AF3250D82}" type="datetimeFigureOut">
               <a:rPr lang="en-CA" smtClean="0"/>
-              <a:t>2021-08-22</a:t>
+              <a:t>2021-08-28</a:t>
             </a:fld>
             <a:endParaRPr lang="en-CA"/>
           </a:p>
@@ -2689,7 +2693,7 @@
           <a:p>
             <a:fld id="{ACD36024-1BF0-4D42-9D90-7A9AF3250D82}" type="datetimeFigureOut">
               <a:rPr lang="en-CA" smtClean="0"/>
-              <a:t>2021-08-22</a:t>
+              <a:t>2021-08-28</a:t>
             </a:fld>
             <a:endParaRPr lang="en-CA"/>
           </a:p>
@@ -2932,7 +2936,7 @@
           <a:p>
             <a:fld id="{ACD36024-1BF0-4D42-9D90-7A9AF3250D82}" type="datetimeFigureOut">
               <a:rPr lang="en-CA" smtClean="0"/>
-              <a:t>2021-08-22</a:t>
+              <a:t>2021-08-28</a:t>
             </a:fld>
             <a:endParaRPr lang="en-CA"/>
           </a:p>
@@ -3380,7 +3384,7 @@
             <a:pPr algn="l"/>
             <a:r>
               <a:rPr lang="en-US" sz="5000" dirty="0"/>
-              <a:t>R Part C</a:t>
+              <a:t>R Part D</a:t>
             </a:r>
             <a:endParaRPr lang="en-CA" sz="5000" dirty="0"/>
           </a:p>
@@ -3435,7 +3439,7 @@
             <a:pPr algn="l"/>
             <a:r>
               <a:rPr lang="en-US" sz="2000" dirty="0"/>
-              <a:t>22/8/21</a:t>
+              <a:t>28/8/21</a:t>
             </a:r>
             <a:endParaRPr lang="en-CA" sz="2000" dirty="0"/>
           </a:p>
@@ -3708,8 +3712,8 @@
         </p:nvSpPr>
         <p:spPr>
           <a:xfrm>
-            <a:off x="148046" y="679271"/>
-            <a:ext cx="10267406" cy="6294031"/>
+            <a:off x="463356" y="797750"/>
+            <a:ext cx="11108534" cy="4401205"/>
           </a:xfrm>
           <a:prstGeom prst="rect">
             <a:avLst/>
@@ -3728,179 +3732,84 @@
             </a:pPr>
             <a:r>
               <a:rPr lang="en-US" sz="2000" dirty="0"/>
-              <a:t>Last Week’s Recap</a:t>
-            </a:r>
-          </a:p>
-          <a:p>
-            <a:endParaRPr lang="en-US" sz="1100" dirty="0"/>
-          </a:p>
-          <a:p>
-            <a:pPr marL="285750" indent="-285750">
-              <a:buFont typeface="Wingdings" panose="05000000000000000000" pitchFamily="2" charset="2"/>
-              <a:buChar char="q"/>
-            </a:pPr>
-            <a:r>
-              <a:rPr lang="en-US" sz="2000" dirty="0"/>
-              <a:t>What are functions? </a:t>
-            </a:r>
-          </a:p>
-          <a:p>
-            <a:pPr marL="771525" indent="-342900">
+              <a:t>What we have done so far!</a:t>
+            </a:r>
+          </a:p>
+          <a:p>
+            <a:endParaRPr lang="en-US" sz="2000" dirty="0"/>
+          </a:p>
+          <a:p>
+            <a:pPr marL="342900" indent="-169863">
               <a:buFont typeface="Wingdings" panose="05000000000000000000" pitchFamily="2" charset="2"/>
               <a:buChar char="§"/>
             </a:pPr>
             <a:r>
               <a:rPr lang="en-US" sz="2000" dirty="0"/>
-              <a:t>Why must we care about functions in R?</a:t>
-            </a:r>
-          </a:p>
-          <a:p>
-            <a:pPr marL="771525" indent="-342900">
+              <a:t>  Creation of variables</a:t>
+            </a:r>
+          </a:p>
+          <a:p>
+            <a:pPr marL="173037"/>
+            <a:endParaRPr lang="en-US" sz="2000" dirty="0"/>
+          </a:p>
+          <a:p>
+            <a:pPr marL="342900" indent="-169863">
               <a:buFont typeface="Wingdings" panose="05000000000000000000" pitchFamily="2" charset="2"/>
               <a:buChar char="§"/>
             </a:pPr>
             <a:r>
               <a:rPr lang="en-US" sz="2000" dirty="0"/>
-              <a:t>How do we create functions?</a:t>
-            </a:r>
-          </a:p>
-          <a:p>
-            <a:pPr marL="428625"/>
-            <a:endParaRPr lang="en-US" sz="1200" dirty="0"/>
-          </a:p>
-          <a:p>
-            <a:pPr marL="285750" indent="-285750">
-              <a:buFont typeface="Wingdings" panose="05000000000000000000" pitchFamily="2" charset="2"/>
-              <a:buChar char="q"/>
-            </a:pPr>
-            <a:r>
-              <a:rPr lang="en-US" sz="2000" dirty="0"/>
-              <a:t>Control structures</a:t>
-            </a:r>
-          </a:p>
-          <a:p>
-            <a:pPr marL="700087" indent="-342900">
+              <a:t>  Creation of Data Frames</a:t>
+            </a:r>
+          </a:p>
+          <a:p>
+            <a:pPr marL="173037"/>
+            <a:endParaRPr lang="en-US" sz="2000" dirty="0"/>
+          </a:p>
+          <a:p>
+            <a:pPr marL="342900" indent="-169863">
               <a:buFont typeface="Wingdings" panose="05000000000000000000" pitchFamily="2" charset="2"/>
               <a:buChar char="§"/>
             </a:pPr>
             <a:r>
               <a:rPr lang="en-US" sz="2000" dirty="0"/>
-              <a:t>If-else</a:t>
-            </a:r>
-          </a:p>
-          <a:p>
-            <a:pPr marL="700087" indent="-342900">
+              <a:t>  Accessing attribute information of variables and data frames</a:t>
+            </a:r>
+          </a:p>
+          <a:p>
+            <a:pPr marL="173037"/>
+            <a:endParaRPr lang="en-US" sz="2000" dirty="0"/>
+          </a:p>
+          <a:p>
+            <a:pPr marL="342900" indent="-169863">
               <a:buFont typeface="Wingdings" panose="05000000000000000000" pitchFamily="2" charset="2"/>
               <a:buChar char="§"/>
             </a:pPr>
             <a:r>
               <a:rPr lang="en-US" sz="2000" dirty="0"/>
-              <a:t>For loops</a:t>
-            </a:r>
-          </a:p>
-          <a:p>
-            <a:pPr marL="700087" indent="-342900">
+              <a:t> Creation of functions</a:t>
+            </a:r>
+          </a:p>
+          <a:p>
+            <a:pPr marL="173037"/>
+            <a:endParaRPr lang="en-US" sz="2000" dirty="0"/>
+          </a:p>
+          <a:p>
+            <a:pPr marL="342900" indent="-169863">
               <a:buFont typeface="Wingdings" panose="05000000000000000000" pitchFamily="2" charset="2"/>
               <a:buChar char="§"/>
             </a:pPr>
             <a:r>
               <a:rPr lang="en-US" sz="2000" dirty="0"/>
-              <a:t>Nested loops</a:t>
-            </a:r>
-          </a:p>
-          <a:p>
-            <a:pPr marL="700087" indent="-342900">
-              <a:buFont typeface="Wingdings" panose="05000000000000000000" pitchFamily="2" charset="2"/>
-              <a:buChar char="§"/>
-            </a:pPr>
-            <a:r>
-              <a:rPr lang="en-US" sz="2000" dirty="0"/>
-              <a:t>While loops</a:t>
-            </a:r>
+              <a:t>  Control Structure (if-else, for loops)</a:t>
+            </a:r>
+          </a:p>
+          <a:p>
+            <a:endParaRPr lang="en-US" sz="2000" dirty="0"/>
           </a:p>
           <a:p>
             <a:pPr marL="357187"/>
             <a:endParaRPr lang="en-US" sz="2000" dirty="0"/>
-          </a:p>
-          <a:p>
-            <a:pPr marL="355600" indent="-355600">
-              <a:buFont typeface="Wingdings" panose="05000000000000000000" pitchFamily="2" charset="2"/>
-              <a:buChar char="q"/>
-            </a:pPr>
-            <a:r>
-              <a:rPr lang="en-US" sz="2000" dirty="0"/>
-              <a:t>Working on real data with the Tidyverse Package</a:t>
-            </a:r>
-          </a:p>
-          <a:p>
-            <a:pPr marL="342900" indent="14288">
-              <a:buFont typeface="Wingdings" panose="05000000000000000000" pitchFamily="2" charset="2"/>
-              <a:buChar char="§"/>
-            </a:pPr>
-            <a:r>
-              <a:rPr lang="en-US" sz="2000" dirty="0"/>
-              <a:t>  Import data</a:t>
-            </a:r>
-          </a:p>
-          <a:p>
-            <a:pPr marL="342900" indent="14288">
-              <a:buFont typeface="Wingdings" panose="05000000000000000000" pitchFamily="2" charset="2"/>
-              <a:buChar char="§"/>
-            </a:pPr>
-            <a:r>
-              <a:rPr lang="en-US" sz="2000" dirty="0"/>
-              <a:t>  Filtering rows and columns </a:t>
-            </a:r>
-          </a:p>
-          <a:p>
-            <a:pPr marL="342900" indent="14288">
-              <a:buFont typeface="Wingdings" panose="05000000000000000000" pitchFamily="2" charset="2"/>
-              <a:buChar char="§"/>
-            </a:pPr>
-            <a:r>
-              <a:rPr lang="en-US" sz="2000" dirty="0"/>
-              <a:t>  Rename columns</a:t>
-            </a:r>
-          </a:p>
-          <a:p>
-            <a:pPr marL="342900" indent="14288">
-              <a:buFont typeface="Wingdings" panose="05000000000000000000" pitchFamily="2" charset="2"/>
-              <a:buChar char="§"/>
-            </a:pPr>
-            <a:r>
-              <a:rPr lang="en-US" sz="2000" dirty="0"/>
-              <a:t>  Column transformations</a:t>
-            </a:r>
-          </a:p>
-          <a:p>
-            <a:pPr marL="342900" indent="14288">
-              <a:buFont typeface="Wingdings" panose="05000000000000000000" pitchFamily="2" charset="2"/>
-              <a:buChar char="§"/>
-            </a:pPr>
-            <a:r>
-              <a:rPr lang="en-US" sz="2000" dirty="0"/>
-              <a:t>  Merging two or more data   </a:t>
-            </a:r>
-          </a:p>
-          <a:p>
-            <a:pPr marL="342900" indent="14288">
-              <a:buFont typeface="Wingdings" panose="05000000000000000000" pitchFamily="2" charset="2"/>
-              <a:buChar char="§"/>
-            </a:pPr>
-            <a:r>
-              <a:rPr lang="en-US" sz="2000" dirty="0"/>
-              <a:t>  Save data</a:t>
-            </a:r>
-          </a:p>
-          <a:p>
-            <a:pPr marL="342900" indent="14288">
-              <a:buFont typeface="Wingdings" panose="05000000000000000000" pitchFamily="2" charset="2"/>
-              <a:buChar char="§"/>
-            </a:pPr>
-            <a:r>
-              <a:rPr lang="en-US" sz="2000" dirty="0"/>
-              <a:t>  Plot data</a:t>
-            </a:r>
           </a:p>
           <a:p>
             <a:pPr marL="357187"/>
@@ -3941,6 +3850,53 @@
           <a:chExt cx="0" cy="0"/>
         </a:xfrm>
       </p:grpSpPr>
+      <p:pic>
+        <p:nvPicPr>
+          <p:cNvPr id="2050" name="Picture 2" descr="Getting Started with tidyverse in R - Storybench">
+            <a:extLst>
+              <a:ext uri="{FF2B5EF4-FFF2-40B4-BE49-F238E27FC236}">
+                <a16:creationId xmlns:a16="http://schemas.microsoft.com/office/drawing/2014/main" id="{4B6D0813-8798-4838-94E2-94EE6B5FC01E}"/>
+              </a:ext>
+            </a:extLst>
+          </p:cNvPr>
+          <p:cNvPicPr>
+            <a:picLocks noChangeAspect="1" noChangeArrowheads="1"/>
+          </p:cNvPicPr>
+          <p:nvPr/>
+        </p:nvPicPr>
+        <p:blipFill>
+          <a:blip r:embed="rId2">
+            <a:extLst>
+              <a:ext uri="{28A0092B-C50C-407E-A947-70E740481C1C}">
+                <a14:useLocalDpi xmlns:a14="http://schemas.microsoft.com/office/drawing/2010/main" val="0"/>
+              </a:ext>
+            </a:extLst>
+          </a:blip>
+          <a:srcRect/>
+          <a:stretch>
+            <a:fillRect/>
+          </a:stretch>
+        </p:blipFill>
+        <p:spPr bwMode="auto">
+          <a:xfrm>
+            <a:off x="0" y="566438"/>
+            <a:ext cx="12192000" cy="5865893"/>
+          </a:xfrm>
+          <a:prstGeom prst="rect">
+            <a:avLst/>
+          </a:prstGeom>
+          <a:noFill/>
+          <a:extLst>
+            <a:ext uri="{909E8E84-426E-40DD-AFC4-6F175D3DCCD1}">
+              <a14:hiddenFill xmlns:a14="http://schemas.microsoft.com/office/drawing/2010/main">
+                <a:solidFill>
+                  <a:srgbClr val="FFFFFF"/>
+                </a:solidFill>
+              </a14:hiddenFill>
+            </a:ext>
+          </a:extLst>
+        </p:spPr>
+      </p:pic>
       <p:sp>
         <p:nvSpPr>
           <p:cNvPr id="10" name="Rectangle 9">
@@ -3989,7 +3945,7 @@
                 <a:ea typeface="Cambria" panose="02040503050406030204" pitchFamily="18" charset="0"/>
                 <a:cs typeface="Times New Roman" panose="02020603050405020304" pitchFamily="18" charset="0"/>
               </a:rPr>
-              <a:t>Last week’s Recap</a:t>
+              <a:t>Tidyverse Package (Ecosystem)</a:t>
             </a:r>
             <a:endParaRPr lang="en-CA" sz="3200" dirty="0">
               <a:latin typeface="Cambria" panose="02040503050406030204" pitchFamily="18" charset="0"/>
@@ -4092,10 +4048,10 @@
       </p:sp>
       <p:sp>
         <p:nvSpPr>
-          <p:cNvPr id="12" name="TextBox 11">
-            <a:extLst>
-              <a:ext uri="{FF2B5EF4-FFF2-40B4-BE49-F238E27FC236}">
-                <a16:creationId xmlns:a16="http://schemas.microsoft.com/office/drawing/2014/main" id="{04ED5358-47F6-4216-8FC5-CA9AA339988E}"/>
+          <p:cNvPr id="8" name="TextBox 7">
+            <a:extLst>
+              <a:ext uri="{FF2B5EF4-FFF2-40B4-BE49-F238E27FC236}">
+                <a16:creationId xmlns:a16="http://schemas.microsoft.com/office/drawing/2014/main" id="{0E72EC43-4301-4459-8F4A-50B670C1CB95}"/>
               </a:ext>
             </a:extLst>
           </p:cNvPr>
@@ -4104,8 +4060,8 @@
         </p:nvSpPr>
         <p:spPr>
           <a:xfrm>
-            <a:off x="209006" y="936250"/>
-            <a:ext cx="11704320" cy="5355312"/>
+            <a:off x="0" y="6344977"/>
+            <a:ext cx="6219496" cy="369332"/>
           </a:xfrm>
           <a:prstGeom prst="rect">
             <a:avLst/>
@@ -4113,155 +4069,1107 @@
           <a:noFill/>
         </p:spPr>
         <p:txBody>
+          <a:bodyPr wrap="square">
+            <a:spAutoFit/>
+          </a:bodyPr>
+          <a:lstStyle/>
+          <a:p>
+            <a:r>
+              <a:rPr lang="en-CA" dirty="0"/>
+              <a:t>https://www.storybench.org/getting-started-with-tidyverse-in-r/</a:t>
+            </a:r>
+          </a:p>
+        </p:txBody>
+      </p:sp>
+      <p:sp>
+        <p:nvSpPr>
+          <p:cNvPr id="4" name="Rectangle 3">
+            <a:extLst>
+              <a:ext uri="{FF2B5EF4-FFF2-40B4-BE49-F238E27FC236}">
+                <a16:creationId xmlns:a16="http://schemas.microsoft.com/office/drawing/2014/main" id="{579DDA4E-A0FD-4BC7-9695-DFE36EA5E25F}"/>
+              </a:ext>
+            </a:extLst>
+          </p:cNvPr>
+          <p:cNvSpPr/>
+          <p:nvPr/>
+        </p:nvSpPr>
+        <p:spPr>
+          <a:xfrm>
+            <a:off x="4781006" y="1132876"/>
+            <a:ext cx="2368732" cy="3204751"/>
+          </a:xfrm>
+          <a:prstGeom prst="rect">
+            <a:avLst/>
+          </a:prstGeom>
+          <a:blipFill dpi="0" rotWithShape="1">
+            <a:blip r:embed="rId3">
+              <a:extLst>
+                <a:ext uri="{28A0092B-C50C-407E-A947-70E740481C1C}">
+                  <a14:useLocalDpi xmlns:a14="http://schemas.microsoft.com/office/drawing/2010/main" val="0"/>
+                </a:ext>
+              </a:extLst>
+            </a:blip>
+            <a:srcRect/>
+            <a:stretch>
+              <a:fillRect/>
+            </a:stretch>
+          </a:blipFill>
+          <a:ln w="28575">
+            <a:solidFill>
+              <a:schemeClr val="accent1">
+                <a:lumMod val="50000"/>
+              </a:schemeClr>
+            </a:solidFill>
+          </a:ln>
+        </p:spPr>
+        <p:style>
+          <a:lnRef idx="2">
+            <a:schemeClr val="accent1">
+              <a:shade val="50000"/>
+            </a:schemeClr>
+          </a:lnRef>
+          <a:fillRef idx="1">
+            <a:schemeClr val="accent1"/>
+          </a:fillRef>
+          <a:effectRef idx="0">
+            <a:schemeClr val="accent1"/>
+          </a:effectRef>
+          <a:fontRef idx="minor">
+            <a:schemeClr val="lt1"/>
+          </a:fontRef>
+        </p:style>
+        <p:txBody>
+          <a:bodyPr rtlCol="0" anchor="ctr"/>
+          <a:lstStyle/>
+          <a:p>
+            <a:pPr algn="ctr"/>
+            <a:endParaRPr lang="en-CA"/>
+          </a:p>
+        </p:txBody>
+      </p:sp>
+    </p:spTree>
+    <p:extLst>
+      <p:ext uri="{BB962C8B-B14F-4D97-AF65-F5344CB8AC3E}">
+        <p14:creationId xmlns:p14="http://schemas.microsoft.com/office/powerpoint/2010/main" val="491562139"/>
+      </p:ext>
+    </p:extLst>
+  </p:cSld>
+  <p:clrMapOvr>
+    <a:masterClrMapping/>
+  </p:clrMapOvr>
+  <p:transition spd="med">
+    <p:pull/>
+  </p:transition>
+  <p:timing>
+    <p:tnLst>
+      <p:par>
+        <p:cTn id="1" dur="indefinite" restart="never" nodeType="tmRoot">
+          <p:childTnLst>
+            <p:seq concurrent="1" nextAc="seek">
+              <p:cTn id="2" dur="indefinite" nodeType="mainSeq">
+                <p:childTnLst>
+                  <p:par>
+                    <p:cTn id="3" fill="hold">
+                      <p:stCondLst>
+                        <p:cond delay="indefinite"/>
+                      </p:stCondLst>
+                      <p:childTnLst>
+                        <p:par>
+                          <p:cTn id="4" fill="hold">
+                            <p:stCondLst>
+                              <p:cond delay="0"/>
+                            </p:stCondLst>
+                            <p:childTnLst>
+                              <p:par>
+                                <p:cTn id="5" presetID="53" presetClass="entr" presetSubtype="528" fill="hold" grpId="0" nodeType="clickEffect">
+                                  <p:stCondLst>
+                                    <p:cond delay="0"/>
+                                  </p:stCondLst>
+                                  <p:childTnLst>
+                                    <p:set>
+                                      <p:cBhvr>
+                                        <p:cTn id="6" dur="1" fill="hold">
+                                          <p:stCondLst>
+                                            <p:cond delay="0"/>
+                                          </p:stCondLst>
+                                        </p:cTn>
+                                        <p:tgtEl>
+                                          <p:spTgt spid="4"/>
+                                        </p:tgtEl>
+                                        <p:attrNameLst>
+                                          <p:attrName>style.visibility</p:attrName>
+                                        </p:attrNameLst>
+                                      </p:cBhvr>
+                                      <p:to>
+                                        <p:strVal val="visible"/>
+                                      </p:to>
+                                    </p:set>
+                                    <p:anim calcmode="lin" valueType="num">
+                                      <p:cBhvr>
+                                        <p:cTn id="7" dur="1500" fill="hold"/>
+                                        <p:tgtEl>
+                                          <p:spTgt spid="4"/>
+                                        </p:tgtEl>
+                                        <p:attrNameLst>
+                                          <p:attrName>ppt_w</p:attrName>
+                                        </p:attrNameLst>
+                                      </p:cBhvr>
+                                      <p:tavLst>
+                                        <p:tav tm="0">
+                                          <p:val>
+                                            <p:fltVal val="0"/>
+                                          </p:val>
+                                        </p:tav>
+                                        <p:tav tm="100000">
+                                          <p:val>
+                                            <p:strVal val="#ppt_w"/>
+                                          </p:val>
+                                        </p:tav>
+                                      </p:tavLst>
+                                    </p:anim>
+                                    <p:anim calcmode="lin" valueType="num">
+                                      <p:cBhvr>
+                                        <p:cTn id="8" dur="1500" fill="hold"/>
+                                        <p:tgtEl>
+                                          <p:spTgt spid="4"/>
+                                        </p:tgtEl>
+                                        <p:attrNameLst>
+                                          <p:attrName>ppt_h</p:attrName>
+                                        </p:attrNameLst>
+                                      </p:cBhvr>
+                                      <p:tavLst>
+                                        <p:tav tm="0">
+                                          <p:val>
+                                            <p:fltVal val="0"/>
+                                          </p:val>
+                                        </p:tav>
+                                        <p:tav tm="100000">
+                                          <p:val>
+                                            <p:strVal val="#ppt_h"/>
+                                          </p:val>
+                                        </p:tav>
+                                      </p:tavLst>
+                                    </p:anim>
+                                    <p:animEffect transition="in" filter="fade">
+                                      <p:cBhvr>
+                                        <p:cTn id="9" dur="1500"/>
+                                        <p:tgtEl>
+                                          <p:spTgt spid="4"/>
+                                        </p:tgtEl>
+                                      </p:cBhvr>
+                                    </p:animEffect>
+                                    <p:anim calcmode="lin" valueType="num">
+                                      <p:cBhvr>
+                                        <p:cTn id="10" dur="1500" fill="hold"/>
+                                        <p:tgtEl>
+                                          <p:spTgt spid="4"/>
+                                        </p:tgtEl>
+                                        <p:attrNameLst>
+                                          <p:attrName>ppt_x</p:attrName>
+                                        </p:attrNameLst>
+                                      </p:cBhvr>
+                                      <p:tavLst>
+                                        <p:tav tm="0">
+                                          <p:val>
+                                            <p:fltVal val="0.5"/>
+                                          </p:val>
+                                        </p:tav>
+                                        <p:tav tm="100000">
+                                          <p:val>
+                                            <p:strVal val="#ppt_x"/>
+                                          </p:val>
+                                        </p:tav>
+                                      </p:tavLst>
+                                    </p:anim>
+                                    <p:anim calcmode="lin" valueType="num">
+                                      <p:cBhvr>
+                                        <p:cTn id="11" dur="1500" fill="hold"/>
+                                        <p:tgtEl>
+                                          <p:spTgt spid="4"/>
+                                        </p:tgtEl>
+                                        <p:attrNameLst>
+                                          <p:attrName>ppt_y</p:attrName>
+                                        </p:attrNameLst>
+                                      </p:cBhvr>
+                                      <p:tavLst>
+                                        <p:tav tm="0">
+                                          <p:val>
+                                            <p:fltVal val="0.5"/>
+                                          </p:val>
+                                        </p:tav>
+                                        <p:tav tm="100000">
+                                          <p:val>
+                                            <p:strVal val="#ppt_y"/>
+                                          </p:val>
+                                        </p:tav>
+                                      </p:tavLst>
+                                    </p:anim>
+                                  </p:childTnLst>
+                                </p:cTn>
+                              </p:par>
+                            </p:childTnLst>
+                          </p:cTn>
+                        </p:par>
+                      </p:childTnLst>
+                    </p:cTn>
+                  </p:par>
+                  <p:par>
+                    <p:cTn id="12" fill="hold">
+                      <p:stCondLst>
+                        <p:cond delay="indefinite"/>
+                      </p:stCondLst>
+                      <p:childTnLst>
+                        <p:par>
+                          <p:cTn id="13" fill="hold">
+                            <p:stCondLst>
+                              <p:cond delay="0"/>
+                            </p:stCondLst>
+                            <p:childTnLst>
+                              <p:par>
+                                <p:cTn id="14" presetID="32" presetClass="emph" presetSubtype="0" fill="hold" grpId="1" nodeType="clickEffect">
+                                  <p:stCondLst>
+                                    <p:cond delay="0"/>
+                                  </p:stCondLst>
+                                  <p:childTnLst>
+                                    <p:animRot by="120000">
+                                      <p:cBhvr>
+                                        <p:cTn id="15" dur="100" fill="hold">
+                                          <p:stCondLst>
+                                            <p:cond delay="0"/>
+                                          </p:stCondLst>
+                                        </p:cTn>
+                                        <p:tgtEl>
+                                          <p:spTgt spid="4"/>
+                                        </p:tgtEl>
+                                        <p:attrNameLst>
+                                          <p:attrName>r</p:attrName>
+                                        </p:attrNameLst>
+                                      </p:cBhvr>
+                                    </p:animRot>
+                                    <p:animRot by="-240000">
+                                      <p:cBhvr>
+                                        <p:cTn id="16" dur="200" fill="hold">
+                                          <p:stCondLst>
+                                            <p:cond delay="200"/>
+                                          </p:stCondLst>
+                                        </p:cTn>
+                                        <p:tgtEl>
+                                          <p:spTgt spid="4"/>
+                                        </p:tgtEl>
+                                        <p:attrNameLst>
+                                          <p:attrName>r</p:attrName>
+                                        </p:attrNameLst>
+                                      </p:cBhvr>
+                                    </p:animRot>
+                                    <p:animRot by="240000">
+                                      <p:cBhvr>
+                                        <p:cTn id="17" dur="200" fill="hold">
+                                          <p:stCondLst>
+                                            <p:cond delay="400"/>
+                                          </p:stCondLst>
+                                        </p:cTn>
+                                        <p:tgtEl>
+                                          <p:spTgt spid="4"/>
+                                        </p:tgtEl>
+                                        <p:attrNameLst>
+                                          <p:attrName>r</p:attrName>
+                                        </p:attrNameLst>
+                                      </p:cBhvr>
+                                    </p:animRot>
+                                    <p:animRot by="-240000">
+                                      <p:cBhvr>
+                                        <p:cTn id="18" dur="200" fill="hold">
+                                          <p:stCondLst>
+                                            <p:cond delay="600"/>
+                                          </p:stCondLst>
+                                        </p:cTn>
+                                        <p:tgtEl>
+                                          <p:spTgt spid="4"/>
+                                        </p:tgtEl>
+                                        <p:attrNameLst>
+                                          <p:attrName>r</p:attrName>
+                                        </p:attrNameLst>
+                                      </p:cBhvr>
+                                    </p:animRot>
+                                    <p:animRot by="120000">
+                                      <p:cBhvr>
+                                        <p:cTn id="19" dur="200" fill="hold">
+                                          <p:stCondLst>
+                                            <p:cond delay="800"/>
+                                          </p:stCondLst>
+                                        </p:cTn>
+                                        <p:tgtEl>
+                                          <p:spTgt spid="4"/>
+                                        </p:tgtEl>
+                                        <p:attrNameLst>
+                                          <p:attrName>r</p:attrName>
+                                        </p:attrNameLst>
+                                      </p:cBhvr>
+                                    </p:animRot>
+                                  </p:childTnLst>
+                                </p:cTn>
+                              </p:par>
+                            </p:childTnLst>
+                          </p:cTn>
+                        </p:par>
+                      </p:childTnLst>
+                    </p:cTn>
+                  </p:par>
+                </p:childTnLst>
+              </p:cTn>
+              <p:prevCondLst>
+                <p:cond evt="onPrev" delay="0">
+                  <p:tgtEl>
+                    <p:sldTgt/>
+                  </p:tgtEl>
+                </p:cond>
+              </p:prevCondLst>
+              <p:nextCondLst>
+                <p:cond evt="onNext" delay="0">
+                  <p:tgtEl>
+                    <p:sldTgt/>
+                  </p:tgtEl>
+                </p:cond>
+              </p:nextCondLst>
+            </p:seq>
+          </p:childTnLst>
+        </p:cTn>
+      </p:par>
+    </p:tnLst>
+    <p:bldLst>
+      <p:bldP spid="4" grpId="0" animBg="1"/>
+      <p:bldP spid="4" grpId="1" animBg="1"/>
+    </p:bldLst>
+  </p:timing>
+</p:sld>
+</file>
+
+<file path=ppt/slides/slide4.xml><?xml version="1.0" encoding="utf-8"?>
+<p:sld xmlns:a="http://schemas.openxmlformats.org/drawingml/2006/main" xmlns:r="http://schemas.openxmlformats.org/officeDocument/2006/relationships" xmlns:p="http://schemas.openxmlformats.org/presentationml/2006/main">
+  <p:cSld>
+    <p:spTree>
+      <p:nvGrpSpPr>
+        <p:cNvPr id="1" name=""/>
+        <p:cNvGrpSpPr/>
+        <p:nvPr/>
+      </p:nvGrpSpPr>
+      <p:grpSpPr>
+        <a:xfrm>
+          <a:off x="0" y="0"/>
+          <a:ext cx="0" cy="0"/>
+          <a:chOff x="0" y="0"/>
+          <a:chExt cx="0" cy="0"/>
+        </a:xfrm>
+      </p:grpSpPr>
+      <p:sp>
+        <p:nvSpPr>
+          <p:cNvPr id="10" name="Rectangle 9">
+            <a:extLst>
+              <a:ext uri="{FF2B5EF4-FFF2-40B4-BE49-F238E27FC236}">
+                <a16:creationId xmlns:a16="http://schemas.microsoft.com/office/drawing/2014/main" id="{40180C6D-B217-4DBF-9403-CC2862B672D2}"/>
+              </a:ext>
+            </a:extLst>
+          </p:cNvPr>
+          <p:cNvSpPr/>
+          <p:nvPr/>
+        </p:nvSpPr>
+        <p:spPr>
+          <a:xfrm>
+            <a:off x="0" y="0"/>
+            <a:ext cx="12192000" cy="566438"/>
+          </a:xfrm>
+          <a:prstGeom prst="rect">
+            <a:avLst/>
+          </a:prstGeom>
+        </p:spPr>
+        <p:style>
+          <a:lnRef idx="2">
+            <a:schemeClr val="accent1">
+              <a:shade val="50000"/>
+            </a:schemeClr>
+          </a:lnRef>
+          <a:fillRef idx="1">
+            <a:schemeClr val="accent1"/>
+          </a:fillRef>
+          <a:effectRef idx="0">
+            <a:schemeClr val="accent1"/>
+          </a:effectRef>
+          <a:fontRef idx="minor">
+            <a:schemeClr val="lt1"/>
+          </a:fontRef>
+        </p:style>
+        <p:txBody>
+          <a:bodyPr rtlCol="0" anchor="ctr"/>
+          <a:lstStyle/>
+          <a:p>
+            <a:r>
+              <a:rPr lang="en-US" sz="3200" b="1" dirty="0">
+                <a:effectLst/>
+                <a:latin typeface="Cambria" panose="02040503050406030204" pitchFamily="18" charset="0"/>
+                <a:ea typeface="Cambria" panose="02040503050406030204" pitchFamily="18" charset="0"/>
+                <a:cs typeface="Times New Roman" panose="02020603050405020304" pitchFamily="18" charset="0"/>
+              </a:rPr>
+              <a:t>Dplyr Package</a:t>
+            </a:r>
+            <a:endParaRPr lang="en-CA" sz="3200" dirty="0">
+              <a:latin typeface="Cambria" panose="02040503050406030204" pitchFamily="18" charset="0"/>
+              <a:ea typeface="Cambria" panose="02040503050406030204" pitchFamily="18" charset="0"/>
+            </a:endParaRPr>
+          </a:p>
+        </p:txBody>
+      </p:sp>
+      <p:cxnSp>
+        <p:nvCxnSpPr>
+          <p:cNvPr id="13" name="Straight Connector 12">
+            <a:extLst>
+              <a:ext uri="{FF2B5EF4-FFF2-40B4-BE49-F238E27FC236}">
+                <a16:creationId xmlns:a16="http://schemas.microsoft.com/office/drawing/2014/main" id="{AED7AB03-4104-415B-86C1-DCA15270683E}"/>
+              </a:ext>
+            </a:extLst>
+          </p:cNvPr>
+          <p:cNvCxnSpPr/>
+          <p:nvPr/>
+        </p:nvCxnSpPr>
+        <p:spPr>
+          <a:xfrm>
+            <a:off x="0" y="566438"/>
+            <a:ext cx="12252960" cy="0"/>
+          </a:xfrm>
+          <a:prstGeom prst="line">
+            <a:avLst/>
+          </a:prstGeom>
+          <a:ln w="38100">
+            <a:solidFill>
+              <a:schemeClr val="tx1"/>
+            </a:solidFill>
+          </a:ln>
+        </p:spPr>
+        <p:style>
+          <a:lnRef idx="1">
+            <a:schemeClr val="accent1"/>
+          </a:lnRef>
+          <a:fillRef idx="0">
+            <a:schemeClr val="accent1"/>
+          </a:fillRef>
+          <a:effectRef idx="0">
+            <a:schemeClr val="accent1"/>
+          </a:effectRef>
+          <a:fontRef idx="minor">
+            <a:schemeClr val="tx1"/>
+          </a:fontRef>
+        </p:style>
+      </p:cxnSp>
+      <p:sp>
+        <p:nvSpPr>
+          <p:cNvPr id="16" name="Rectangle 15">
+            <a:extLst>
+              <a:ext uri="{FF2B5EF4-FFF2-40B4-BE49-F238E27FC236}">
+                <a16:creationId xmlns:a16="http://schemas.microsoft.com/office/drawing/2014/main" id="{1D468DD4-B710-4516-B929-BBD9A16000FD}"/>
+              </a:ext>
+            </a:extLst>
+          </p:cNvPr>
+          <p:cNvSpPr/>
+          <p:nvPr/>
+        </p:nvSpPr>
+        <p:spPr>
+          <a:xfrm>
+            <a:off x="0" y="6714309"/>
+            <a:ext cx="12192000" cy="143691"/>
+          </a:xfrm>
+          <a:prstGeom prst="rect">
+            <a:avLst/>
+          </a:prstGeom>
+          <a:solidFill>
+            <a:schemeClr val="bg1">
+              <a:lumMod val="50000"/>
+            </a:schemeClr>
+          </a:solidFill>
+        </p:spPr>
+        <p:style>
+          <a:lnRef idx="2">
+            <a:schemeClr val="accent1">
+              <a:shade val="50000"/>
+            </a:schemeClr>
+          </a:lnRef>
+          <a:fillRef idx="1">
+            <a:schemeClr val="accent1"/>
+          </a:fillRef>
+          <a:effectRef idx="0">
+            <a:schemeClr val="accent1"/>
+          </a:effectRef>
+          <a:fontRef idx="minor">
+            <a:schemeClr val="lt1"/>
+          </a:fontRef>
+        </p:style>
+        <p:txBody>
+          <a:bodyPr rtlCol="0" anchor="ctr"/>
+          <a:lstStyle/>
+          <a:p>
+            <a:pPr algn="ctr"/>
+            <a:endParaRPr lang="en-CA"/>
+          </a:p>
+        </p:txBody>
+      </p:sp>
+      <p:sp>
+        <p:nvSpPr>
+          <p:cNvPr id="12" name="TextBox 11">
+            <a:extLst>
+              <a:ext uri="{FF2B5EF4-FFF2-40B4-BE49-F238E27FC236}">
+                <a16:creationId xmlns:a16="http://schemas.microsoft.com/office/drawing/2014/main" id="{04ED5358-47F6-4216-8FC5-CA9AA339988E}"/>
+              </a:ext>
+            </a:extLst>
+          </p:cNvPr>
+          <p:cNvSpPr txBox="1"/>
+          <p:nvPr/>
+        </p:nvSpPr>
+        <p:spPr>
+          <a:xfrm>
+            <a:off x="209006" y="936250"/>
+            <a:ext cx="11704320" cy="369332"/>
+          </a:xfrm>
+          <a:prstGeom prst="rect">
+            <a:avLst/>
+          </a:prstGeom>
+          <a:noFill/>
+        </p:spPr>
+        <p:txBody>
           <a:bodyPr wrap="square" rtlCol="0">
             <a:spAutoFit/>
           </a:bodyPr>
           <a:lstStyle/>
           <a:p>
-            <a:pPr marL="285750" indent="-285750">
+            <a:endParaRPr lang="en-CA" dirty="0"/>
+          </a:p>
+        </p:txBody>
+      </p:sp>
+      <p:sp>
+        <p:nvSpPr>
+          <p:cNvPr id="8" name="TextBox 7">
+            <a:extLst>
+              <a:ext uri="{FF2B5EF4-FFF2-40B4-BE49-F238E27FC236}">
+                <a16:creationId xmlns:a16="http://schemas.microsoft.com/office/drawing/2014/main" id="{ECA62753-1EF5-454F-962C-131FBB8CD5EE}"/>
+              </a:ext>
+            </a:extLst>
+          </p:cNvPr>
+          <p:cNvSpPr txBox="1"/>
+          <p:nvPr/>
+        </p:nvSpPr>
+        <p:spPr>
+          <a:xfrm>
+            <a:off x="548641" y="1049563"/>
+            <a:ext cx="9570719" cy="1569660"/>
+          </a:xfrm>
+          <a:prstGeom prst="rect">
+            <a:avLst/>
+          </a:prstGeom>
+          <a:noFill/>
+        </p:spPr>
+        <p:txBody>
+          <a:bodyPr wrap="square">
+            <a:spAutoFit/>
+          </a:bodyPr>
+          <a:lstStyle/>
+          <a:p>
+            <a:pPr marL="355600" indent="-355600">
               <a:buFont typeface="Wingdings" panose="05000000000000000000" pitchFamily="2" charset="2"/>
               <a:buChar char="q"/>
             </a:pPr>
             <a:r>
-              <a:rPr lang="en-US" dirty="0"/>
-              <a:t>Defined a variable: Container to store varying information. </a:t>
-            </a:r>
-          </a:p>
-          <a:p>
-            <a:endParaRPr lang="en-US" dirty="0"/>
-          </a:p>
-          <a:p>
-            <a:pPr marL="285750" indent="-285750">
+              <a:rPr lang="en-US" sz="2400" dirty="0"/>
+              <a:t>It is an awesome package for working with tidy data</a:t>
+            </a:r>
+          </a:p>
+          <a:p>
+            <a:pPr marL="355600" indent="-355600">
               <a:buFont typeface="Wingdings" panose="05000000000000000000" pitchFamily="2" charset="2"/>
               <a:buChar char="q"/>
             </a:pPr>
-            <a:r>
-              <a:rPr lang="en-US" dirty="0"/>
-              <a:t>Looked at the fundamental information types we can use to create variables (also called atomic information)</a:t>
-            </a:r>
-          </a:p>
-          <a:p>
-            <a:endParaRPr lang="en-US" dirty="0"/>
-          </a:p>
-          <a:p>
-            <a:pPr marL="642937" indent="-285750">
+            <a:endParaRPr lang="en-US" sz="2400" dirty="0"/>
+          </a:p>
+          <a:p>
+            <a:pPr marL="355600" indent="-355600">
+              <a:buFont typeface="Wingdings" panose="05000000000000000000" pitchFamily="2" charset="2"/>
+              <a:buChar char="q"/>
+            </a:pPr>
+            <a:r>
+              <a:rPr lang="en-US" sz="2400" dirty="0"/>
+              <a:t>What is a tidy data. It has the following characteristics:</a:t>
+            </a:r>
+          </a:p>
+          <a:p>
+            <a:pPr marL="269875"/>
+            <a:endParaRPr lang="en-US" sz="2400" dirty="0"/>
+          </a:p>
+        </p:txBody>
+      </p:sp>
+      <p:pic>
+        <p:nvPicPr>
+          <p:cNvPr id="3076" name="Picture 4" descr="See the source image">
+            <a:extLst>
+              <a:ext uri="{FF2B5EF4-FFF2-40B4-BE49-F238E27FC236}">
+                <a16:creationId xmlns:a16="http://schemas.microsoft.com/office/drawing/2014/main" id="{49309A57-DD77-4D3E-9A5E-E9704635FB2F}"/>
+              </a:ext>
+            </a:extLst>
+          </p:cNvPr>
+          <p:cNvPicPr>
+            <a:picLocks noChangeAspect="1" noChangeArrowheads="1"/>
+          </p:cNvPicPr>
+          <p:nvPr/>
+        </p:nvPicPr>
+        <p:blipFill>
+          <a:blip r:embed="rId2">
+            <a:extLst>
+              <a:ext uri="{28A0092B-C50C-407E-A947-70E740481C1C}">
+                <a14:useLocalDpi xmlns:a14="http://schemas.microsoft.com/office/drawing/2010/main" val="0"/>
+              </a:ext>
+            </a:extLst>
+          </a:blip>
+          <a:srcRect/>
+          <a:stretch>
+            <a:fillRect/>
+          </a:stretch>
+        </p:blipFill>
+        <p:spPr bwMode="auto">
+          <a:xfrm>
+            <a:off x="949235" y="2799426"/>
+            <a:ext cx="9822724" cy="3492136"/>
+          </a:xfrm>
+          <a:prstGeom prst="rect">
+            <a:avLst/>
+          </a:prstGeom>
+          <a:noFill/>
+          <a:extLst>
+            <a:ext uri="{909E8E84-426E-40DD-AFC4-6F175D3DCCD1}">
+              <a14:hiddenFill xmlns:a14="http://schemas.microsoft.com/office/drawing/2010/main">
+                <a:solidFill>
+                  <a:srgbClr val="FFFFFF"/>
+                </a:solidFill>
+              </a14:hiddenFill>
+            </a:ext>
+          </a:extLst>
+        </p:spPr>
+      </p:pic>
+    </p:spTree>
+    <p:extLst>
+      <p:ext uri="{BB962C8B-B14F-4D97-AF65-F5344CB8AC3E}">
+        <p14:creationId xmlns:p14="http://schemas.microsoft.com/office/powerpoint/2010/main" val="2377011209"/>
+      </p:ext>
+    </p:extLst>
+  </p:cSld>
+  <p:clrMapOvr>
+    <a:masterClrMapping/>
+  </p:clrMapOvr>
+  <p:transition spd="med">
+    <p:pull/>
+  </p:transition>
+</p:sld>
+</file>
+
+<file path=ppt/slides/slide5.xml><?xml version="1.0" encoding="utf-8"?>
+<p:sld xmlns:a="http://schemas.openxmlformats.org/drawingml/2006/main" xmlns:r="http://schemas.openxmlformats.org/officeDocument/2006/relationships" xmlns:p="http://schemas.openxmlformats.org/presentationml/2006/main">
+  <p:cSld>
+    <p:spTree>
+      <p:nvGrpSpPr>
+        <p:cNvPr id="1" name=""/>
+        <p:cNvGrpSpPr/>
+        <p:nvPr/>
+      </p:nvGrpSpPr>
+      <p:grpSpPr>
+        <a:xfrm>
+          <a:off x="0" y="0"/>
+          <a:ext cx="0" cy="0"/>
+          <a:chOff x="0" y="0"/>
+          <a:chExt cx="0" cy="0"/>
+        </a:xfrm>
+      </p:grpSpPr>
+      <p:sp>
+        <p:nvSpPr>
+          <p:cNvPr id="10" name="Rectangle 9">
+            <a:extLst>
+              <a:ext uri="{FF2B5EF4-FFF2-40B4-BE49-F238E27FC236}">
+                <a16:creationId xmlns:a16="http://schemas.microsoft.com/office/drawing/2014/main" id="{40180C6D-B217-4DBF-9403-CC2862B672D2}"/>
+              </a:ext>
+            </a:extLst>
+          </p:cNvPr>
+          <p:cNvSpPr/>
+          <p:nvPr/>
+        </p:nvSpPr>
+        <p:spPr>
+          <a:xfrm>
+            <a:off x="0" y="0"/>
+            <a:ext cx="12192000" cy="566438"/>
+          </a:xfrm>
+          <a:prstGeom prst="rect">
+            <a:avLst/>
+          </a:prstGeom>
+        </p:spPr>
+        <p:style>
+          <a:lnRef idx="2">
+            <a:schemeClr val="accent1">
+              <a:shade val="50000"/>
+            </a:schemeClr>
+          </a:lnRef>
+          <a:fillRef idx="1">
+            <a:schemeClr val="accent1"/>
+          </a:fillRef>
+          <a:effectRef idx="0">
+            <a:schemeClr val="accent1"/>
+          </a:effectRef>
+          <a:fontRef idx="minor">
+            <a:schemeClr val="lt1"/>
+          </a:fontRef>
+        </p:style>
+        <p:txBody>
+          <a:bodyPr rtlCol="0" anchor="ctr"/>
+          <a:lstStyle/>
+          <a:p>
+            <a:r>
+              <a:rPr lang="en-US" sz="3200" b="1" dirty="0">
+                <a:effectLst/>
+                <a:latin typeface="Cambria" panose="02040503050406030204" pitchFamily="18" charset="0"/>
+                <a:ea typeface="Cambria" panose="02040503050406030204" pitchFamily="18" charset="0"/>
+                <a:cs typeface="Times New Roman" panose="02020603050405020304" pitchFamily="18" charset="0"/>
+              </a:rPr>
+              <a:t>Dplyr Package</a:t>
+            </a:r>
+            <a:endParaRPr lang="en-CA" sz="3200" dirty="0">
+              <a:latin typeface="Cambria" panose="02040503050406030204" pitchFamily="18" charset="0"/>
+              <a:ea typeface="Cambria" panose="02040503050406030204" pitchFamily="18" charset="0"/>
+            </a:endParaRPr>
+          </a:p>
+        </p:txBody>
+      </p:sp>
+      <p:cxnSp>
+        <p:nvCxnSpPr>
+          <p:cNvPr id="13" name="Straight Connector 12">
+            <a:extLst>
+              <a:ext uri="{FF2B5EF4-FFF2-40B4-BE49-F238E27FC236}">
+                <a16:creationId xmlns:a16="http://schemas.microsoft.com/office/drawing/2014/main" id="{AED7AB03-4104-415B-86C1-DCA15270683E}"/>
+              </a:ext>
+            </a:extLst>
+          </p:cNvPr>
+          <p:cNvCxnSpPr/>
+          <p:nvPr/>
+        </p:nvCxnSpPr>
+        <p:spPr>
+          <a:xfrm>
+            <a:off x="0" y="566438"/>
+            <a:ext cx="12252960" cy="0"/>
+          </a:xfrm>
+          <a:prstGeom prst="line">
+            <a:avLst/>
+          </a:prstGeom>
+          <a:ln w="38100">
+            <a:solidFill>
+              <a:schemeClr val="tx1"/>
+            </a:solidFill>
+          </a:ln>
+        </p:spPr>
+        <p:style>
+          <a:lnRef idx="1">
+            <a:schemeClr val="accent1"/>
+          </a:lnRef>
+          <a:fillRef idx="0">
+            <a:schemeClr val="accent1"/>
+          </a:fillRef>
+          <a:effectRef idx="0">
+            <a:schemeClr val="accent1"/>
+          </a:effectRef>
+          <a:fontRef idx="minor">
+            <a:schemeClr val="tx1"/>
+          </a:fontRef>
+        </p:style>
+      </p:cxnSp>
+      <p:sp>
+        <p:nvSpPr>
+          <p:cNvPr id="16" name="Rectangle 15">
+            <a:extLst>
+              <a:ext uri="{FF2B5EF4-FFF2-40B4-BE49-F238E27FC236}">
+                <a16:creationId xmlns:a16="http://schemas.microsoft.com/office/drawing/2014/main" id="{1D468DD4-B710-4516-B929-BBD9A16000FD}"/>
+              </a:ext>
+            </a:extLst>
+          </p:cNvPr>
+          <p:cNvSpPr/>
+          <p:nvPr/>
+        </p:nvSpPr>
+        <p:spPr>
+          <a:xfrm>
+            <a:off x="0" y="6714309"/>
+            <a:ext cx="12192000" cy="143691"/>
+          </a:xfrm>
+          <a:prstGeom prst="rect">
+            <a:avLst/>
+          </a:prstGeom>
+          <a:solidFill>
+            <a:schemeClr val="bg1">
+              <a:lumMod val="50000"/>
+            </a:schemeClr>
+          </a:solidFill>
+        </p:spPr>
+        <p:style>
+          <a:lnRef idx="2">
+            <a:schemeClr val="accent1">
+              <a:shade val="50000"/>
+            </a:schemeClr>
+          </a:lnRef>
+          <a:fillRef idx="1">
+            <a:schemeClr val="accent1"/>
+          </a:fillRef>
+          <a:effectRef idx="0">
+            <a:schemeClr val="accent1"/>
+          </a:effectRef>
+          <a:fontRef idx="minor">
+            <a:schemeClr val="lt1"/>
+          </a:fontRef>
+        </p:style>
+        <p:txBody>
+          <a:bodyPr rtlCol="0" anchor="ctr"/>
+          <a:lstStyle/>
+          <a:p>
+            <a:pPr algn="ctr"/>
+            <a:endParaRPr lang="en-CA"/>
+          </a:p>
+        </p:txBody>
+      </p:sp>
+      <p:sp>
+        <p:nvSpPr>
+          <p:cNvPr id="12" name="TextBox 11">
+            <a:extLst>
+              <a:ext uri="{FF2B5EF4-FFF2-40B4-BE49-F238E27FC236}">
+                <a16:creationId xmlns:a16="http://schemas.microsoft.com/office/drawing/2014/main" id="{04ED5358-47F6-4216-8FC5-CA9AA339988E}"/>
+              </a:ext>
+            </a:extLst>
+          </p:cNvPr>
+          <p:cNvSpPr txBox="1"/>
+          <p:nvPr/>
+        </p:nvSpPr>
+        <p:spPr>
+          <a:xfrm>
+            <a:off x="209006" y="936250"/>
+            <a:ext cx="11704320" cy="369332"/>
+          </a:xfrm>
+          <a:prstGeom prst="rect">
+            <a:avLst/>
+          </a:prstGeom>
+          <a:noFill/>
+        </p:spPr>
+        <p:txBody>
+          <a:bodyPr wrap="square" rtlCol="0">
+            <a:spAutoFit/>
+          </a:bodyPr>
+          <a:lstStyle/>
+          <a:p>
+            <a:endParaRPr lang="en-CA" dirty="0"/>
+          </a:p>
+        </p:txBody>
+      </p:sp>
+      <p:sp>
+        <p:nvSpPr>
+          <p:cNvPr id="8" name="TextBox 7">
+            <a:extLst>
+              <a:ext uri="{FF2B5EF4-FFF2-40B4-BE49-F238E27FC236}">
+                <a16:creationId xmlns:a16="http://schemas.microsoft.com/office/drawing/2014/main" id="{ECA62753-1EF5-454F-962C-131FBB8CD5EE}"/>
+              </a:ext>
+            </a:extLst>
+          </p:cNvPr>
+          <p:cNvSpPr txBox="1"/>
+          <p:nvPr/>
+        </p:nvSpPr>
+        <p:spPr>
+          <a:xfrm>
+            <a:off x="409301" y="659251"/>
+            <a:ext cx="9570719" cy="4678204"/>
+          </a:xfrm>
+          <a:prstGeom prst="rect">
+            <a:avLst/>
+          </a:prstGeom>
+          <a:noFill/>
+        </p:spPr>
+        <p:txBody>
+          <a:bodyPr wrap="square">
+            <a:spAutoFit/>
+          </a:bodyPr>
+          <a:lstStyle/>
+          <a:p>
+            <a:pPr marL="355600" indent="-355600">
+              <a:buFont typeface="Wingdings" panose="05000000000000000000" pitchFamily="2" charset="2"/>
+              <a:buChar char="q"/>
+            </a:pPr>
+            <a:r>
+              <a:rPr lang="en-US" sz="2000" dirty="0"/>
+              <a:t>The grammar of Dplyr </a:t>
+            </a:r>
+          </a:p>
+          <a:p>
+            <a:endParaRPr lang="en-US" sz="2000" dirty="0"/>
+          </a:p>
+          <a:p>
+            <a:pPr marL="342900" indent="14288">
               <a:buFont typeface="Wingdings" panose="05000000000000000000" pitchFamily="2" charset="2"/>
               <a:buChar char="§"/>
             </a:pPr>
             <a:r>
-              <a:rPr lang="en-US" dirty="0"/>
-              <a:t>Character/string</a:t>
-            </a:r>
-          </a:p>
-          <a:p>
-            <a:pPr marL="357187"/>
-            <a:r>
-              <a:rPr lang="en-US" dirty="0"/>
-              <a:t>                  Variables created with this information cannot be used in mathematical operations such as +, -,    </a:t>
-            </a:r>
-          </a:p>
-          <a:p>
-            <a:pPr marL="357187"/>
-            <a:r>
-              <a:rPr lang="en-US" dirty="0"/>
-              <a:t>                 *,  /</a:t>
-            </a:r>
-          </a:p>
-          <a:p>
-            <a:pPr marL="642937" indent="-285750">
+              <a:rPr lang="en-US" sz="2000" dirty="0"/>
+              <a:t>  select() : select columns</a:t>
+            </a:r>
+          </a:p>
+          <a:p>
+            <a:pPr marL="342900"/>
+            <a:endParaRPr lang="en-US" sz="1300" dirty="0"/>
+          </a:p>
+          <a:p>
+            <a:pPr marL="342900" indent="14288">
               <a:buFont typeface="Wingdings" panose="05000000000000000000" pitchFamily="2" charset="2"/>
               <a:buChar char="§"/>
             </a:pPr>
-            <a:endParaRPr lang="en-US" dirty="0"/>
-          </a:p>
-          <a:p>
-            <a:pPr marL="642937" indent="-285750">
+            <a:r>
+              <a:rPr lang="en-US" sz="2000" dirty="0"/>
+              <a:t>  Filter() : Select rows </a:t>
+            </a:r>
+          </a:p>
+          <a:p>
+            <a:pPr marL="342900"/>
+            <a:endParaRPr lang="en-US" sz="1300" dirty="0"/>
+          </a:p>
+          <a:p>
+            <a:pPr marL="342900" indent="14288">
               <a:buFont typeface="Wingdings" panose="05000000000000000000" pitchFamily="2" charset="2"/>
               <a:buChar char="§"/>
             </a:pPr>
             <a:r>
-              <a:rPr lang="en-US" dirty="0"/>
-              <a:t>Numeric  - Double or Integer</a:t>
-            </a:r>
-          </a:p>
-          <a:p>
-            <a:pPr marL="357187"/>
-            <a:r>
-              <a:rPr lang="en-US" dirty="0"/>
-              <a:t>                Variables created with this information can be used in mathematical operations</a:t>
-            </a:r>
-          </a:p>
-          <a:p>
-            <a:pPr marL="642937" indent="-285750">
+              <a:rPr lang="en-US" sz="2000" dirty="0"/>
+              <a:t>  Arrange() : sort columns</a:t>
+            </a:r>
+          </a:p>
+          <a:p>
+            <a:pPr marL="342900"/>
+            <a:endParaRPr lang="en-US" sz="1300" dirty="0"/>
+          </a:p>
+          <a:p>
+            <a:pPr marL="342900" indent="14288">
               <a:buFont typeface="Wingdings" panose="05000000000000000000" pitchFamily="2" charset="2"/>
               <a:buChar char="§"/>
             </a:pPr>
-            <a:endParaRPr lang="en-US" dirty="0"/>
-          </a:p>
-          <a:p>
-            <a:pPr marL="642937" indent="-285750">
+            <a:r>
+              <a:rPr lang="en-US" sz="2000" dirty="0"/>
+              <a:t>  Rename() : Rename variables</a:t>
+            </a:r>
+          </a:p>
+          <a:p>
+            <a:pPr marL="342900"/>
+            <a:endParaRPr lang="en-US" sz="1300" dirty="0"/>
+          </a:p>
+          <a:p>
+            <a:pPr marL="342900" indent="14288">
               <a:buFont typeface="Wingdings" panose="05000000000000000000" pitchFamily="2" charset="2"/>
               <a:buChar char="§"/>
             </a:pPr>
             <a:r>
-              <a:rPr lang="en-US" dirty="0"/>
-              <a:t>Complex </a:t>
-            </a:r>
-          </a:p>
-          <a:p>
-            <a:pPr marL="357187"/>
-            <a:r>
-              <a:rPr lang="en-US" dirty="0"/>
-              <a:t>                In the form a +bi</a:t>
-            </a:r>
-          </a:p>
-          <a:p>
-            <a:pPr marL="642937" indent="-285750">
+              <a:rPr lang="en-US" sz="2000" dirty="0"/>
+              <a:t>  Mutate(): Transform existing columns or add new columns</a:t>
+            </a:r>
+          </a:p>
+          <a:p>
+            <a:pPr marL="342900"/>
+            <a:endParaRPr lang="en-US" sz="1300" dirty="0"/>
+          </a:p>
+          <a:p>
+            <a:pPr marL="342900" indent="14288">
               <a:buFont typeface="Wingdings" panose="05000000000000000000" pitchFamily="2" charset="2"/>
               <a:buChar char="§"/>
             </a:pPr>
-            <a:endParaRPr lang="en-US" dirty="0"/>
-          </a:p>
-          <a:p>
-            <a:pPr marL="642937" indent="-285750">
+            <a:r>
+              <a:rPr lang="en-US" sz="2000" dirty="0"/>
+              <a:t>  </a:t>
+            </a:r>
+            <a:r>
+              <a:rPr lang="en-US" sz="2000" dirty="0" err="1"/>
+              <a:t>Group_by</a:t>
+            </a:r>
+            <a:r>
+              <a:rPr lang="en-US" sz="2000" dirty="0"/>
+              <a:t>() :</a:t>
+            </a:r>
+          </a:p>
+          <a:p>
+            <a:pPr marL="342900"/>
+            <a:endParaRPr lang="en-US" sz="1300" dirty="0"/>
+          </a:p>
+          <a:p>
+            <a:pPr marL="342900" indent="14288">
               <a:buFont typeface="Wingdings" panose="05000000000000000000" pitchFamily="2" charset="2"/>
               <a:buChar char="§"/>
             </a:pPr>
             <a:r>
-              <a:rPr lang="en-US" dirty="0"/>
-              <a:t>Logical : True of False</a:t>
-            </a:r>
-          </a:p>
-          <a:p>
-            <a:pPr marL="628650" indent="-271463">
+              <a:rPr lang="en-US" sz="2000" dirty="0"/>
+              <a:t>  summarize(): Create summary statistics </a:t>
+            </a:r>
+          </a:p>
+          <a:p>
+            <a:pPr marL="342900"/>
+            <a:endParaRPr lang="en-US" sz="1300" dirty="0"/>
+          </a:p>
+          <a:p>
+            <a:pPr marL="342900" indent="14288">
               <a:buFont typeface="Wingdings" panose="05000000000000000000" pitchFamily="2" charset="2"/>
-              <a:buChar char="v"/>
+              <a:buChar char="§"/>
             </a:pPr>
-            <a:endParaRPr lang="en-US" dirty="0"/>
-          </a:p>
-          <a:p>
-            <a:pPr marL="285750" indent="-285750">
+            <a:r>
+              <a:rPr lang="en-US" sz="2000" dirty="0"/>
+              <a:t>  %&gt;% : Pipes which links multiple data manipulation actions together</a:t>
+            </a:r>
+          </a:p>
+        </p:txBody>
+      </p:sp>
+      <p:sp>
+        <p:nvSpPr>
+          <p:cNvPr id="11" name="TextBox 10">
+            <a:extLst>
+              <a:ext uri="{FF2B5EF4-FFF2-40B4-BE49-F238E27FC236}">
+                <a16:creationId xmlns:a16="http://schemas.microsoft.com/office/drawing/2014/main" id="{553D9991-2D92-4DFD-82B5-812AB1A3D512}"/>
+              </a:ext>
+            </a:extLst>
+          </p:cNvPr>
+          <p:cNvSpPr txBox="1"/>
+          <p:nvPr/>
+        </p:nvSpPr>
+        <p:spPr>
+          <a:xfrm>
+            <a:off x="470261" y="5428633"/>
+            <a:ext cx="8717281" cy="1015663"/>
+          </a:xfrm>
+          <a:prstGeom prst="rect">
+            <a:avLst/>
+          </a:prstGeom>
+          <a:noFill/>
+        </p:spPr>
+        <p:txBody>
+          <a:bodyPr wrap="square">
+            <a:spAutoFit/>
+          </a:bodyPr>
+          <a:lstStyle/>
+          <a:p>
+            <a:pPr marL="355600" indent="-355600">
               <a:buFont typeface="Wingdings" panose="05000000000000000000" pitchFamily="2" charset="2"/>
               <a:buChar char="q"/>
             </a:pPr>
             <a:r>
-              <a:rPr lang="en-US" dirty="0"/>
-              <a:t>Used a vector to create variables</a:t>
-            </a:r>
-          </a:p>
-          <a:p>
-            <a:endParaRPr lang="en-US" dirty="0"/>
-          </a:p>
-          <a:p>
-            <a:pPr marL="285750" indent="-285750">
+              <a:rPr lang="en-US" sz="2000" dirty="0"/>
+              <a:t>Everything Dplyr can do you can do it in base R.</a:t>
+            </a:r>
+          </a:p>
+          <a:p>
+            <a:endParaRPr lang="en-US" sz="2000" dirty="0"/>
+          </a:p>
+          <a:p>
+            <a:pPr marL="285750" indent="-15875">
               <a:buFont typeface="Wingdings" panose="05000000000000000000" pitchFamily="2" charset="2"/>
-              <a:buChar char="q"/>
+              <a:buChar char="§"/>
             </a:pPr>
             <a:r>
-              <a:rPr lang="en-US" dirty="0"/>
-              <a:t>Created a data frame</a:t>
-            </a:r>
-            <a:endParaRPr lang="en-CA" dirty="0"/>
+              <a:rPr lang="en-US" sz="2000" dirty="0"/>
+              <a:t>   Dplyr makes it very easy and elegant</a:t>
+            </a:r>
           </a:p>
         </p:txBody>
       </p:sp>
@@ -4278,6 +5186,275 @@
   <p:transition spd="med">
     <p:pull/>
   </p:transition>
+</p:sld>
+</file>
+
+<file path=ppt/slides/slide6.xml><?xml version="1.0" encoding="utf-8"?>
+<p:sld xmlns:a="http://schemas.openxmlformats.org/drawingml/2006/main" xmlns:r="http://schemas.openxmlformats.org/officeDocument/2006/relationships" xmlns:p="http://schemas.openxmlformats.org/presentationml/2006/main">
+  <p:cSld>
+    <p:spTree>
+      <p:nvGrpSpPr>
+        <p:cNvPr id="1" name=""/>
+        <p:cNvGrpSpPr/>
+        <p:nvPr/>
+      </p:nvGrpSpPr>
+      <p:grpSpPr>
+        <a:xfrm>
+          <a:off x="0" y="0"/>
+          <a:ext cx="0" cy="0"/>
+          <a:chOff x="0" y="0"/>
+          <a:chExt cx="0" cy="0"/>
+        </a:xfrm>
+      </p:grpSpPr>
+      <p:sp>
+        <p:nvSpPr>
+          <p:cNvPr id="10" name="Rectangle 9">
+            <a:extLst>
+              <a:ext uri="{FF2B5EF4-FFF2-40B4-BE49-F238E27FC236}">
+                <a16:creationId xmlns:a16="http://schemas.microsoft.com/office/drawing/2014/main" id="{40180C6D-B217-4DBF-9403-CC2862B672D2}"/>
+              </a:ext>
+            </a:extLst>
+          </p:cNvPr>
+          <p:cNvSpPr/>
+          <p:nvPr/>
+        </p:nvSpPr>
+        <p:spPr>
+          <a:xfrm>
+            <a:off x="0" y="0"/>
+            <a:ext cx="12192000" cy="566438"/>
+          </a:xfrm>
+          <a:prstGeom prst="rect">
+            <a:avLst/>
+          </a:prstGeom>
+        </p:spPr>
+        <p:style>
+          <a:lnRef idx="2">
+            <a:schemeClr val="accent1">
+              <a:shade val="50000"/>
+            </a:schemeClr>
+          </a:lnRef>
+          <a:fillRef idx="1">
+            <a:schemeClr val="accent1"/>
+          </a:fillRef>
+          <a:effectRef idx="0">
+            <a:schemeClr val="accent1"/>
+          </a:effectRef>
+          <a:fontRef idx="minor">
+            <a:schemeClr val="lt1"/>
+          </a:fontRef>
+        </p:style>
+        <p:txBody>
+          <a:bodyPr rtlCol="0" anchor="ctr"/>
+          <a:lstStyle/>
+          <a:p>
+            <a:r>
+              <a:rPr lang="en-US" sz="3200" b="1" dirty="0">
+                <a:effectLst/>
+                <a:latin typeface="Cambria" panose="02040503050406030204" pitchFamily="18" charset="0"/>
+                <a:ea typeface="Cambria" panose="02040503050406030204" pitchFamily="18" charset="0"/>
+                <a:cs typeface="Times New Roman" panose="02020603050405020304" pitchFamily="18" charset="0"/>
+              </a:rPr>
+              <a:t>Tidyverse Package</a:t>
+            </a:r>
+            <a:endParaRPr lang="en-CA" sz="3200" dirty="0">
+              <a:latin typeface="Cambria" panose="02040503050406030204" pitchFamily="18" charset="0"/>
+              <a:ea typeface="Cambria" panose="02040503050406030204" pitchFamily="18" charset="0"/>
+            </a:endParaRPr>
+          </a:p>
+        </p:txBody>
+      </p:sp>
+      <p:cxnSp>
+        <p:nvCxnSpPr>
+          <p:cNvPr id="13" name="Straight Connector 12">
+            <a:extLst>
+              <a:ext uri="{FF2B5EF4-FFF2-40B4-BE49-F238E27FC236}">
+                <a16:creationId xmlns:a16="http://schemas.microsoft.com/office/drawing/2014/main" id="{AED7AB03-4104-415B-86C1-DCA15270683E}"/>
+              </a:ext>
+            </a:extLst>
+          </p:cNvPr>
+          <p:cNvCxnSpPr/>
+          <p:nvPr/>
+        </p:nvCxnSpPr>
+        <p:spPr>
+          <a:xfrm>
+            <a:off x="0" y="566438"/>
+            <a:ext cx="12252960" cy="0"/>
+          </a:xfrm>
+          <a:prstGeom prst="line">
+            <a:avLst/>
+          </a:prstGeom>
+          <a:ln w="38100">
+            <a:solidFill>
+              <a:schemeClr val="tx1"/>
+            </a:solidFill>
+          </a:ln>
+        </p:spPr>
+        <p:style>
+          <a:lnRef idx="1">
+            <a:schemeClr val="accent1"/>
+          </a:lnRef>
+          <a:fillRef idx="0">
+            <a:schemeClr val="accent1"/>
+          </a:fillRef>
+          <a:effectRef idx="0">
+            <a:schemeClr val="accent1"/>
+          </a:effectRef>
+          <a:fontRef idx="minor">
+            <a:schemeClr val="tx1"/>
+          </a:fontRef>
+        </p:style>
+      </p:cxnSp>
+      <p:sp>
+        <p:nvSpPr>
+          <p:cNvPr id="16" name="Rectangle 15">
+            <a:extLst>
+              <a:ext uri="{FF2B5EF4-FFF2-40B4-BE49-F238E27FC236}">
+                <a16:creationId xmlns:a16="http://schemas.microsoft.com/office/drawing/2014/main" id="{1D468DD4-B710-4516-B929-BBD9A16000FD}"/>
+              </a:ext>
+            </a:extLst>
+          </p:cNvPr>
+          <p:cNvSpPr/>
+          <p:nvPr/>
+        </p:nvSpPr>
+        <p:spPr>
+          <a:xfrm>
+            <a:off x="0" y="6714309"/>
+            <a:ext cx="12192000" cy="143691"/>
+          </a:xfrm>
+          <a:prstGeom prst="rect">
+            <a:avLst/>
+          </a:prstGeom>
+          <a:solidFill>
+            <a:schemeClr val="bg1">
+              <a:lumMod val="50000"/>
+            </a:schemeClr>
+          </a:solidFill>
+        </p:spPr>
+        <p:style>
+          <a:lnRef idx="2">
+            <a:schemeClr val="accent1">
+              <a:shade val="50000"/>
+            </a:schemeClr>
+          </a:lnRef>
+          <a:fillRef idx="1">
+            <a:schemeClr val="accent1"/>
+          </a:fillRef>
+          <a:effectRef idx="0">
+            <a:schemeClr val="accent1"/>
+          </a:effectRef>
+          <a:fontRef idx="minor">
+            <a:schemeClr val="lt1"/>
+          </a:fontRef>
+        </p:style>
+        <p:txBody>
+          <a:bodyPr rtlCol="0" anchor="ctr"/>
+          <a:lstStyle/>
+          <a:p>
+            <a:pPr algn="ctr"/>
+            <a:endParaRPr lang="en-CA"/>
+          </a:p>
+        </p:txBody>
+      </p:sp>
+      <p:sp>
+        <p:nvSpPr>
+          <p:cNvPr id="12" name="TextBox 11">
+            <a:extLst>
+              <a:ext uri="{FF2B5EF4-FFF2-40B4-BE49-F238E27FC236}">
+                <a16:creationId xmlns:a16="http://schemas.microsoft.com/office/drawing/2014/main" id="{04ED5358-47F6-4216-8FC5-CA9AA339988E}"/>
+              </a:ext>
+            </a:extLst>
+          </p:cNvPr>
+          <p:cNvSpPr txBox="1"/>
+          <p:nvPr/>
+        </p:nvSpPr>
+        <p:spPr>
+          <a:xfrm>
+            <a:off x="209006" y="936250"/>
+            <a:ext cx="11704320" cy="369332"/>
+          </a:xfrm>
+          <a:prstGeom prst="rect">
+            <a:avLst/>
+          </a:prstGeom>
+          <a:noFill/>
+        </p:spPr>
+        <p:txBody>
+          <a:bodyPr wrap="square" rtlCol="0">
+            <a:spAutoFit/>
+          </a:bodyPr>
+          <a:lstStyle/>
+          <a:p>
+            <a:endParaRPr lang="en-CA" dirty="0"/>
+          </a:p>
+        </p:txBody>
+      </p:sp>
+    </p:spTree>
+    <p:extLst>
+      <p:ext uri="{BB962C8B-B14F-4D97-AF65-F5344CB8AC3E}">
+        <p14:creationId xmlns:p14="http://schemas.microsoft.com/office/powerpoint/2010/main" val="2273045062"/>
+      </p:ext>
+    </p:extLst>
+  </p:cSld>
+  <p:clrMapOvr>
+    <a:masterClrMapping/>
+  </p:clrMapOvr>
+  <p:transition spd="med">
+    <p:pull/>
+  </p:transition>
+</p:sld>
+</file>
+
+<file path=ppt/slides/slide7.xml><?xml version="1.0" encoding="utf-8"?>
+<p:sld xmlns:a="http://schemas.openxmlformats.org/drawingml/2006/main" xmlns:r="http://schemas.openxmlformats.org/officeDocument/2006/relationships" xmlns:p="http://schemas.openxmlformats.org/presentationml/2006/main">
+  <p:cSld>
+    <p:spTree>
+      <p:nvGrpSpPr>
+        <p:cNvPr id="1" name=""/>
+        <p:cNvGrpSpPr/>
+        <p:nvPr/>
+      </p:nvGrpSpPr>
+      <p:grpSpPr>
+        <a:xfrm>
+          <a:off x="0" y="0"/>
+          <a:ext cx="0" cy="0"/>
+          <a:chOff x="0" y="0"/>
+          <a:chExt cx="0" cy="0"/>
+        </a:xfrm>
+      </p:grpSpPr>
+      <p:sp>
+        <p:nvSpPr>
+          <p:cNvPr id="3" name="Content Placeholder 2">
+            <a:extLst>
+              <a:ext uri="{FF2B5EF4-FFF2-40B4-BE49-F238E27FC236}">
+                <a16:creationId xmlns:a16="http://schemas.microsoft.com/office/drawing/2014/main" id="{2C158834-6289-4017-9478-30FE42584822}"/>
+              </a:ext>
+            </a:extLst>
+          </p:cNvPr>
+          <p:cNvSpPr>
+            <a:spLocks noGrp="1"/>
+          </p:cNvSpPr>
+          <p:nvPr>
+            <p:ph idx="1"/>
+          </p:nvPr>
+        </p:nvSpPr>
+        <p:spPr/>
+        <p:txBody>
+          <a:bodyPr/>
+          <a:lstStyle/>
+          <a:p>
+            <a:endParaRPr lang="en-CA"/>
+          </a:p>
+        </p:txBody>
+      </p:sp>
+    </p:spTree>
+    <p:extLst>
+      <p:ext uri="{BB962C8B-B14F-4D97-AF65-F5344CB8AC3E}">
+        <p14:creationId xmlns:p14="http://schemas.microsoft.com/office/powerpoint/2010/main" val="3615302963"/>
+      </p:ext>
+    </p:extLst>
+  </p:cSld>
+  <p:clrMapOvr>
+    <a:masterClrMapping/>
+  </p:clrMapOvr>
 </p:sld>
 </file>
 
